--- a/slides/00国際経済学は社会にどう役立つか.pptx
+++ b/slides/00国際経済学は社会にどう役立つか.pptx
@@ -213,7 +213,7 @@
           <a:p>
             <a:fld id="{15D8E939-9ECB-9C46-A248-99A4B8126363}" type="datetimeFigureOut">
               <a:rPr lang="en-JP" smtClean="0"/>
-              <a:t>2023/09/26</a:t>
+              <a:t>2025/05/12</a:t>
             </a:fld>
             <a:endParaRPr lang="en-JP"/>
           </a:p>
@@ -630,7 +630,7 @@
           <a:p>
             <a:fld id="{B305A450-B214-F843-90D3-43D45AB970BF}" type="datetime1">
               <a:rPr lang="en-US" smtClean="0"/>
-              <a:t>9/26/23</a:t>
+              <a:t>5/12/25</a:t>
             </a:fld>
             <a:endParaRPr lang="en-JP"/>
           </a:p>
@@ -830,7 +830,7 @@
           <a:p>
             <a:fld id="{3FE6076C-7478-7547-8EE6-BBCC8E0F5965}" type="datetime1">
               <a:rPr lang="en-US" smtClean="0"/>
-              <a:t>9/26/23</a:t>
+              <a:t>5/12/25</a:t>
             </a:fld>
             <a:endParaRPr lang="en-JP"/>
           </a:p>
@@ -1040,7 +1040,7 @@
           <a:p>
             <a:fld id="{9ACD9DBC-B76F-1F49-9ACB-B3C63B260788}" type="datetime1">
               <a:rPr lang="en-US" smtClean="0"/>
-              <a:t>9/26/23</a:t>
+              <a:t>5/12/25</a:t>
             </a:fld>
             <a:endParaRPr lang="en-JP"/>
           </a:p>
@@ -1240,7 +1240,7 @@
           <a:p>
             <a:fld id="{97256E53-50F3-8B41-827D-E71E7A78D7C8}" type="datetime1">
               <a:rPr lang="en-US" smtClean="0"/>
-              <a:t>9/26/23</a:t>
+              <a:t>5/12/25</a:t>
             </a:fld>
             <a:endParaRPr lang="en-JP"/>
           </a:p>
@@ -1516,7 +1516,7 @@
           <a:p>
             <a:fld id="{60AD3F61-4B41-B048-9345-533AA47C1AFA}" type="datetime1">
               <a:rPr lang="en-US" smtClean="0"/>
-              <a:t>9/26/23</a:t>
+              <a:t>5/12/25</a:t>
             </a:fld>
             <a:endParaRPr lang="en-JP"/>
           </a:p>
@@ -1784,7 +1784,7 @@
           <a:p>
             <a:fld id="{9E0C3DDA-75D5-FE45-B27F-09B23348A3CF}" type="datetime1">
               <a:rPr lang="en-US" smtClean="0"/>
-              <a:t>9/26/23</a:t>
+              <a:t>5/12/25</a:t>
             </a:fld>
             <a:endParaRPr lang="en-JP"/>
           </a:p>
@@ -2199,7 +2199,7 @@
           <a:p>
             <a:fld id="{91B16E66-205B-D348-AF09-8C13DA8BDFF9}" type="datetime1">
               <a:rPr lang="en-US" smtClean="0"/>
-              <a:t>9/26/23</a:t>
+              <a:t>5/12/25</a:t>
             </a:fld>
             <a:endParaRPr lang="en-JP"/>
           </a:p>
@@ -2341,7 +2341,7 @@
           <a:p>
             <a:fld id="{222CE9F2-560E-4648-82A4-0C4186C23AAC}" type="datetime1">
               <a:rPr lang="en-US" smtClean="0"/>
-              <a:t>9/26/23</a:t>
+              <a:t>5/12/25</a:t>
             </a:fld>
             <a:endParaRPr lang="en-JP"/>
           </a:p>
@@ -2454,7 +2454,7 @@
           <a:p>
             <a:fld id="{2914F908-ED62-3949-B616-21C7C363772F}" type="datetime1">
               <a:rPr lang="en-US" smtClean="0"/>
-              <a:t>9/26/23</a:t>
+              <a:t>5/12/25</a:t>
             </a:fld>
             <a:endParaRPr lang="en-JP"/>
           </a:p>
@@ -2767,7 +2767,7 @@
           <a:p>
             <a:fld id="{8280A505-8893-D540-9413-F8B9ED1E178A}" type="datetime1">
               <a:rPr lang="en-US" smtClean="0"/>
-              <a:t>9/26/23</a:t>
+              <a:t>5/12/25</a:t>
             </a:fld>
             <a:endParaRPr lang="en-JP"/>
           </a:p>
@@ -3056,7 +3056,7 @@
           <a:p>
             <a:fld id="{40CD7CE6-B77F-5744-9AB9-6E4139649818}" type="datetime1">
               <a:rPr lang="en-US" smtClean="0"/>
-              <a:t>9/26/23</a:t>
+              <a:t>5/12/25</a:t>
             </a:fld>
             <a:endParaRPr lang="en-JP"/>
           </a:p>
@@ -3299,7 +3299,7 @@
           <a:p>
             <a:fld id="{DC28B759-A9A1-7B41-B30F-900953345635}" type="datetime1">
               <a:rPr lang="en-US" smtClean="0"/>
-              <a:t>9/26/23</a:t>
+              <a:t>5/12/25</a:t>
             </a:fld>
             <a:endParaRPr lang="en-JP"/>
           </a:p>
@@ -5644,7 +5644,19 @@
             </a:r>
             <a:r>
               <a:rPr lang="ja-JP" altLang="en-US"/>
-              <a:t>に構築されたポール・クルーグマンらによる</a:t>
+              <a:t>に構築された</a:t>
+            </a:r>
+            <a:r>
+              <a:rPr lang="ja-JP" altLang="en-US">
+                <a:highlight>
+                  <a:srgbClr val="FFFF00"/>
+                </a:highlight>
+              </a:rPr>
+              <a:t>ポール・クルーグマン</a:t>
+            </a:r>
+            <a:r>
+              <a:rPr lang="ja-JP" altLang="en-US"/>
+              <a:t>らによる</a:t>
             </a:r>
             <a:r>
               <a:rPr lang="zh-CN" altLang="en-US" dirty="0"/>
@@ -5670,7 +5682,19 @@
           <a:p>
             <a:r>
               <a:rPr lang="zh-CN" altLang="en-US" dirty="0"/>
-              <a:t>先進国間の産業内貿易</a:t>
+              <a:t>先進国間の産業</a:t>
+            </a:r>
+            <a:r>
+              <a:rPr lang="zh-CN" altLang="en-US" dirty="0">
+                <a:highlight>
+                  <a:srgbClr val="FFFF00"/>
+                </a:highlight>
+              </a:rPr>
+              <a:t>内</a:t>
+            </a:r>
+            <a:r>
+              <a:rPr lang="zh-CN" altLang="en-US" dirty="0"/>
+              <a:t>貿易</a:t>
             </a:r>
             <a:endParaRPr lang="en-US" altLang="zh-CN" dirty="0"/>
           </a:p>
@@ -5703,7 +5727,19 @@
             </a:r>
             <a:r>
               <a:rPr lang="ja-JP" altLang="en-US"/>
-              <a:t>、マーク・メリッツらによる</a:t>
+              <a:t>、</a:t>
+            </a:r>
+            <a:r>
+              <a:rPr lang="ja-JP" altLang="en-US">
+                <a:highlight>
+                  <a:srgbClr val="FFFF00"/>
+                </a:highlight>
+              </a:rPr>
+              <a:t>マーク・メリッツ</a:t>
+            </a:r>
+            <a:r>
+              <a:rPr lang="ja-JP" altLang="en-US"/>
+              <a:t>らによる</a:t>
             </a:r>
             <a:r>
               <a:rPr lang="zh-CN" altLang="en-US" dirty="0"/>
@@ -5713,28 +5749,56 @@
           </a:p>
           <a:p>
             <a:r>
-              <a:rPr lang="zh-CN" altLang="en-US" dirty="0"/>
+              <a:rPr lang="zh-CN" altLang="en-US" dirty="0">
+                <a:highlight>
+                  <a:srgbClr val="FFFF00"/>
+                </a:highlight>
+              </a:rPr>
               <a:t>企業</a:t>
             </a:r>
             <a:r>
-              <a:rPr lang="ja-JP" altLang="en-US"/>
+              <a:rPr lang="ja-JP" altLang="en-US">
+                <a:highlight>
+                  <a:srgbClr val="FFFF00"/>
+                </a:highlight>
+              </a:rPr>
               <a:t>の</a:t>
             </a:r>
             <a:r>
-              <a:rPr lang="zh-CN" altLang="en-US" dirty="0"/>
+              <a:rPr lang="zh-CN" altLang="en-US" dirty="0">
+                <a:highlight>
+                  <a:srgbClr val="FFFF00"/>
+                </a:highlight>
+              </a:rPr>
               <a:t>生産性</a:t>
             </a:r>
             <a:r>
-              <a:rPr lang="ja-JP" altLang="en-US"/>
+              <a:rPr lang="ja-JP" altLang="en-US">
+                <a:highlight>
+                  <a:srgbClr val="FFFF00"/>
+                </a:highlight>
+              </a:rPr>
               <a:t>の</a:t>
             </a:r>
             <a:r>
-              <a:rPr lang="zh-CN" altLang="en-US" dirty="0"/>
+              <a:rPr lang="zh-CN" altLang="en-US" dirty="0">
+                <a:highlight>
+                  <a:srgbClr val="FFFF00"/>
+                </a:highlight>
+              </a:rPr>
               <a:t>違</a:t>
             </a:r>
             <a:r>
-              <a:rPr lang="ja-JP" altLang="en-US"/>
-              <a:t>いを</a:t>
+              <a:rPr lang="ja-JP" altLang="en-US">
+                <a:highlight>
+                  <a:srgbClr val="FFFF00"/>
+                </a:highlight>
+              </a:rPr>
+              <a:t>い</a:t>
+            </a:r>
+            <a:r>
+              <a:rPr lang="ja-JP" altLang="en-US"/>
+              <a:t>を</a:t>
             </a:r>
             <a:r>
               <a:rPr lang="zh-CN" altLang="en-US" dirty="0"/>
@@ -5819,7 +5883,7 @@
               <a:rPr lang="en-JP" smtClean="0"/>
               <a:t>15</a:t>
             </a:fld>
-            <a:endParaRPr lang="en-JP"/>
+            <a:endParaRPr lang="en-JP" dirty="0"/>
           </a:p>
         </p:txBody>
       </p:sp>
@@ -5921,18 +5985,34 @@
           </a:p>
           <a:p>
             <a:r>
-              <a:rPr lang="ja-JP" altLang="en-US"/>
+              <a:rPr lang="ja-JP" altLang="en-US">
+                <a:highlight>
+                  <a:srgbClr val="FFFF00"/>
+                </a:highlight>
+              </a:rPr>
               <a:t>小国・完全競争の</a:t>
             </a:r>
             <a:r>
-              <a:rPr lang="zh-CN" altLang="en-US" dirty="0"/>
+              <a:rPr lang="zh-CN" altLang="en-US" dirty="0">
+                <a:highlight>
+                  <a:srgbClr val="FFFF00"/>
+                </a:highlight>
+              </a:rPr>
               <a:t>もとでの貿易政策の効果</a:t>
             </a:r>
             <a:r>
-              <a:rPr lang="ja-JP" altLang="en-US"/>
+              <a:rPr lang="ja-JP" altLang="en-US">
+                <a:highlight>
+                  <a:srgbClr val="FFFF00"/>
+                </a:highlight>
+              </a:rPr>
               <a:t> </a:t>
             </a:r>
-            <a:endParaRPr lang="en-US" altLang="ja-JP" dirty="0"/>
+            <a:endParaRPr lang="en-US" altLang="ja-JP" dirty="0">
+              <a:highlight>
+                <a:srgbClr val="FFFF00"/>
+              </a:highlight>
+            </a:endParaRPr>
           </a:p>
           <a:p>
             <a:pPr marL="0" indent="0">
